--- a/Makin Capsule - Presentation.pptx
+++ b/Makin Capsule - Presentation.pptx
@@ -106,6 +106,11 @@
       </a:defRPr>
     </a:lvl9pPr>
   </p:defaultTextStyle>
+  <p:extLst>
+    <p:ext uri="{EFAFB233-063F-42B5-8137-9DF3F51BA10A}">
+      <p15:sldGuideLst xmlns:p15="http://schemas.microsoft.com/office/powerpoint/2012/main"/>
+    </p:ext>
+  </p:extLst>
 </p:presentation>
 </file>
 
@@ -204,7 +209,7 @@
           <a:effectLst/>
           <a:extLst>
             <a:ext uri="{91240B29-F687-4f45-9708-019B960494DF}">
-              <a14:hiddenLine xmlns:a14="http://schemas.microsoft.com/office/drawing/2010/main" xmlns="" w="9525">
+              <a14:hiddenLine xmlns="" xmlns:a14="http://schemas.microsoft.com/office/drawing/2010/main" w="9525">
                 <a:solidFill>
                   <a:srgbClr val="000000"/>
                 </a:solidFill>
@@ -1714,7 +1719,7 @@
           <a:ln/>
           <a:extLst>
             <a:ext uri="{91240B29-F687-4f45-9708-019B960494DF}">
-              <a14:hiddenLine xmlns:a14="http://schemas.microsoft.com/office/drawing/2010/main" xmlns="" w="9525">
+              <a14:hiddenLine xmlns="" xmlns:a14="http://schemas.microsoft.com/office/drawing/2010/main" w="9525">
                 <a:solidFill>
                   <a:srgbClr val="000000"/>
                 </a:solidFill>
@@ -1986,7 +1991,7 @@
           <a:ln/>
           <a:extLst>
             <a:ext uri="{91240B29-F687-4f45-9708-019B960494DF}">
-              <a14:hiddenLine xmlns:a14="http://schemas.microsoft.com/office/drawing/2010/main" xmlns="" w="9525">
+              <a14:hiddenLine xmlns="" xmlns:a14="http://schemas.microsoft.com/office/drawing/2010/main" w="9525">
                 <a:solidFill>
                   <a:srgbClr val="000000"/>
                 </a:solidFill>
@@ -2266,7 +2271,7 @@
           <a:ln/>
           <a:extLst>
             <a:ext uri="{91240B29-F687-4f45-9708-019B960494DF}">
-              <a14:hiddenLine xmlns:a14="http://schemas.microsoft.com/office/drawing/2010/main" xmlns="" w="9525">
+              <a14:hiddenLine xmlns="" xmlns:a14="http://schemas.microsoft.com/office/drawing/2010/main" w="9525">
                 <a:solidFill>
                   <a:srgbClr val="000000"/>
                 </a:solidFill>
@@ -2886,7 +2891,7 @@
           <a:ln/>
           <a:extLst>
             <a:ext uri="{91240B29-F687-4f45-9708-019B960494DF}">
-              <a14:hiddenLine xmlns:a14="http://schemas.microsoft.com/office/drawing/2010/main" xmlns="" w="9525">
+              <a14:hiddenLine xmlns="" xmlns:a14="http://schemas.microsoft.com/office/drawing/2010/main" w="9525">
                 <a:solidFill>
                   <a:srgbClr val="000000"/>
                 </a:solidFill>
@@ -3222,7 +3227,7 @@
           <a:ln/>
           <a:extLst>
             <a:ext uri="{91240B29-F687-4f45-9708-019B960494DF}">
-              <a14:hiddenLine xmlns:a14="http://schemas.microsoft.com/office/drawing/2010/main" xmlns="" w="9525">
+              <a14:hiddenLine xmlns="" xmlns:a14="http://schemas.microsoft.com/office/drawing/2010/main" w="9525">
                 <a:solidFill>
                   <a:srgbClr val="000000"/>
                 </a:solidFill>
@@ -3696,7 +3701,7 @@
           <a:ln/>
           <a:extLst>
             <a:ext uri="{91240B29-F687-4f45-9708-019B960494DF}">
-              <a14:hiddenLine xmlns:a14="http://schemas.microsoft.com/office/drawing/2010/main" xmlns="" w="9525">
+              <a14:hiddenLine xmlns="" xmlns:a14="http://schemas.microsoft.com/office/drawing/2010/main" w="9525">
                 <a:solidFill>
                   <a:srgbClr val="000000"/>
                 </a:solidFill>
@@ -4119,7 +4124,7 @@
           <a:ln/>
           <a:extLst>
             <a:ext uri="{91240B29-F687-4f45-9708-019B960494DF}">
-              <a14:hiddenLine xmlns:a14="http://schemas.microsoft.com/office/drawing/2010/main" xmlns="" w="9525">
+              <a14:hiddenLine xmlns="" xmlns:a14="http://schemas.microsoft.com/office/drawing/2010/main" w="9525">
                 <a:solidFill>
                   <a:srgbClr val="000000"/>
                 </a:solidFill>
@@ -5481,13 +5486,13 @@
           <a:p>
             <a:r>
               <a:rPr lang="en-US" sz="2400" dirty="0"/>
-              <a:t>A small business assistant (named Makin) </a:t>
+              <a:t>A small business assistant named Makin</a:t>
             </a:r>
           </a:p>
           <a:p>
             <a:r>
               <a:rPr lang="en-US" sz="2400" dirty="0"/>
-              <a:t>Help small business to get up and running with voice quickly</a:t>
+              <a:t>Help small businesses to get up and running with voice quickly</a:t>
             </a:r>
           </a:p>
           <a:p>
